--- a/img/illustration/pipeline.pptx
+++ b/img/illustration/pipeline.pptx
@@ -6,6 +6,7 @@
   </p:sldMasterIdLst>
   <p:sldIdLst>
     <p:sldId id="256" r:id="rId3"/>
+    <p:sldId id="257" r:id="rId4"/>
   </p:sldIdLst>
   <p:sldSz cx="12192000" cy="6858000"/>
   <p:notesSz cx="6858000" cy="12192000"/>
@@ -3883,7 +3884,7 @@
               <a:defRPr/>
             </a:pPr>
             <a:r>
-              <a:rPr sz="2200">
+              <a:rPr sz="2400">
                 <a:solidFill>
                   <a:schemeClr val="bg1">
                     <a:lumMod val="75000"/>
@@ -3895,7 +3896,7 @@
               </a:rPr>
               <a:t>scaling</a:t>
             </a:r>
-            <a:endParaRPr sz="2200">
+            <a:endParaRPr sz="2400">
               <a:solidFill>
                 <a:schemeClr val="bg1">
                   <a:lumMod val="75000"/>
@@ -3930,7 +3931,7 @@
           </a:prstGeom>
           <a:ln w="38099" cap="flat" cmpd="sng" algn="ctr">
             <a:solidFill>
-              <a:srgbClr val="AACF8C"/>
+              <a:srgbClr val="B3F082"/>
             </a:solidFill>
             <a:prstDash val="sysDash"/>
             <a:miter/>
@@ -3979,7 +3980,7 @@
               <a:defRPr/>
             </a:pPr>
             <a:r>
-              <a:rPr sz="2200">
+              <a:rPr lang="en-US" sz="2400" b="0" i="0" u="none" strike="noStrike" cap="none" spc="0">
                 <a:solidFill>
                   <a:schemeClr val="bg1">
                     <a:lumMod val="75000"/>
@@ -4026,7 +4027,7 @@
           </a:prstGeom>
           <a:ln w="38099" cap="flat" cmpd="sng" algn="ctr">
             <a:solidFill>
-              <a:srgbClr val="AACF8C"/>
+              <a:srgbClr val="B3F082"/>
             </a:solidFill>
             <a:prstDash val="sysDash"/>
             <a:miter/>
@@ -4075,7 +4076,7 @@
               <a:defRPr/>
             </a:pPr>
             <a:r>
-              <a:rPr sz="2200">
+              <a:rPr lang="en-US" sz="2400" b="0" i="0" u="none" strike="noStrike" cap="none" spc="0">
                 <a:solidFill>
                   <a:schemeClr val="bg1">
                     <a:lumMod val="75000"/>
@@ -4122,7 +4123,7 @@
           </a:prstGeom>
           <a:ln w="38099" cap="flat" cmpd="sng" algn="ctr">
             <a:solidFill>
-              <a:srgbClr val="AACF8C"/>
+              <a:srgbClr val="B3F082"/>
             </a:solidFill>
             <a:prstDash val="sysDash"/>
             <a:miter/>
@@ -4146,6 +4147,1455 @@
           </a:fontRef>
         </p:style>
       </p:cxnSp>
+      <p:sp>
+        <p:nvSpPr>
+          <p:cNvPr id="25" name="" hidden="0"/>
+          <p:cNvSpPr/>
+          <p:nvPr isPhoto="0" userDrawn="0"/>
+        </p:nvSpPr>
+        <p:spPr bwMode="auto">
+          <a:xfrm>
+            <a:off x="6004541" y="3246102"/>
+            <a:ext cx="182988" cy="365795"/>
+          </a:xfrm>
+          <a:prstGeom prst="rect">
+            <a:avLst/>
+          </a:prstGeom>
+          <a:noFill/>
+          <a:ln>
+            <a:noFill/>
+          </a:ln>
+        </p:spPr>
+        <p:txBody>
+          <a:bodyPr rot="0" spcFirstLastPara="0" vertOverflow="overflow" horzOverflow="clip" vert="horz" wrap="none" lIns="91440" tIns="45720" rIns="91440" bIns="45720" numCol="1" spcCol="0" rtlCol="0" fromWordArt="0" anchor="t" anchorCtr="0" forceAA="0" upright="0" compatLnSpc="1">
+            <a:prstTxWarp prst="textNoShape"/>
+            <a:spAutoFit/>
+          </a:bodyPr>
+          <a:p>
+            <a:pPr algn="ctr">
+              <a:defRPr/>
+            </a:pPr>
+            <a:endParaRPr>
+              <a:latin typeface="Cambria Math"/>
+              <a:ea typeface="Cambria Math"/>
+              <a:cs typeface="Cambria Math"/>
+            </a:endParaRPr>
+          </a:p>
+        </p:txBody>
+      </p:sp>
+    </p:spTree>
+  </p:cSld>
+  <p:clrMapOvr>
+    <a:masterClrMapping/>
+  </p:clrMapOvr>
+  <mc:AlternateContent xmlns:mc="http://schemas.openxmlformats.org/markup-compatibility/2006">
+    <mc:Choice xmlns:p14="http://schemas.microsoft.com/office/powerpoint/2010/main" Requires="p14">
+      <p:transition p14:dur="2000" advClick="1"/>
+    </mc:Choice>
+    <mc:Fallback>
+      <p:transition advClick="1"/>
+    </mc:Fallback>
+  </mc:AlternateContent>
+</p:sld>
+</file>
+
+<file path=ppt/slides/slide2.xml><?xml version="1.0" encoding="utf-8"?>
+<p:sld xmlns:a="http://schemas.openxmlformats.org/drawingml/2006/main" xmlns:r="http://schemas.openxmlformats.org/officeDocument/2006/relationships" xmlns:p="http://schemas.openxmlformats.org/presentationml/2006/main" xmlns:m="http://schemas.openxmlformats.org/officeDocument/2006/math" xmlns:w="http://schemas.openxmlformats.org/wordprocessingml/2006/main" showMasterPhAnim="0" show="1">
+  <p:cSld name="">
+    <p:bg>
+      <p:bgPr shadeToTitle="0">
+        <a:solidFill>
+          <a:srgbClr val="282A36"/>
+        </a:solidFill>
+      </p:bgPr>
+    </p:bg>
+    <p:spTree>
+      <p:nvGrpSpPr>
+        <p:cNvPr id="1" name="" hidden="0"/>
+        <p:cNvGrpSpPr/>
+        <p:nvPr isPhoto="0" userDrawn="0"/>
+      </p:nvGrpSpPr>
+      <p:grpSpPr bwMode="auto">
+        <a:xfrm>
+          <a:off x="0" y="0"/>
+          <a:ext cx="0" cy="0"/>
+          <a:chOff x="0" y="0"/>
+          <a:chExt cx="0" cy="0"/>
+        </a:xfrm>
+      </p:grpSpPr>
+      <p:sp>
+        <p:nvSpPr>
+          <p:cNvPr id="4" name="" hidden="0"/>
+          <p:cNvSpPr/>
+          <p:nvPr isPhoto="0" userDrawn="0"/>
+        </p:nvSpPr>
+        <p:spPr bwMode="auto">
+          <a:xfrm flipH="0" flipV="0">
+            <a:off x="1323349" y="1470363"/>
+            <a:ext cx="3301383" cy="4041189"/>
+          </a:xfrm>
+          <a:prstGeom prst="rect">
+            <a:avLst/>
+          </a:prstGeom>
+        </p:spPr>
+        <p:style>
+          <a:lnRef idx="2">
+            <a:schemeClr val="accent1">
+              <a:shade val="50000"/>
+            </a:schemeClr>
+          </a:lnRef>
+          <a:fillRef idx="1">
+            <a:schemeClr val="accent1"/>
+          </a:fillRef>
+          <a:effectRef idx="0">
+            <a:schemeClr val="accent1"/>
+          </a:effectRef>
+          <a:fontRef idx="minor">
+            <a:schemeClr val="lt1"/>
+          </a:fontRef>
+        </p:style>
+      </p:sp>
+      <p:sp>
+        <p:nvSpPr>
+          <p:cNvPr id="5" name="" hidden="0"/>
+          <p:cNvSpPr/>
+          <p:nvPr isPhoto="0" userDrawn="0"/>
+        </p:nvSpPr>
+        <p:spPr bwMode="auto">
+          <a:xfrm flipH="0" flipV="0">
+            <a:off x="2040349" y="2166502"/>
+            <a:ext cx="1881567" cy="812745"/>
+          </a:xfrm>
+          <a:prstGeom prst="flowChartAlternateProcess">
+            <a:avLst/>
+          </a:prstGeom>
+          <a:ln w="38099" cap="flat" cmpd="sng" algn="ctr">
+            <a:solidFill>
+              <a:schemeClr val="bg1"/>
+            </a:solidFill>
+            <a:prstDash val="solid"/>
+            <a:miter/>
+          </a:ln>
+        </p:spPr>
+        <p:style>
+          <a:lnRef idx="2">
+            <a:schemeClr val="accent1">
+              <a:shade val="50000"/>
+            </a:schemeClr>
+          </a:lnRef>
+          <a:fillRef idx="1">
+            <a:schemeClr val="accent1"/>
+          </a:fillRef>
+          <a:effectRef idx="0">
+            <a:schemeClr val="accent1"/>
+          </a:effectRef>
+          <a:fontRef idx="minor">
+            <a:schemeClr val="lt1"/>
+          </a:fontRef>
+        </p:style>
+        <p:txBody>
+          <a:bodyPr vertOverflow="overflow" horzOverflow="clip" vert="horz" wrap="square" lIns="91440" tIns="45720" rIns="91440" bIns="45720" numCol="1" spcCol="0" rtlCol="0" fromWordArt="0" anchor="ctr" anchorCtr="0" forceAA="0" upright="0" compatLnSpc="0"/>
+          <a:p>
+            <a:pPr algn="ctr">
+              <a:defRPr/>
+            </a:pPr>
+            <a:r>
+              <a:rPr sz="2400">
+                <a:latin typeface="Poppins"/>
+                <a:ea typeface="Poppins"/>
+                <a:cs typeface="Poppins"/>
+              </a:rPr>
+              <a:t>scaling each fold</a:t>
+            </a:r>
+            <a:endParaRPr sz="2400">
+              <a:latin typeface="Poppins"/>
+              <a:ea typeface="Poppins"/>
+              <a:cs typeface="Poppins"/>
+            </a:endParaRPr>
+          </a:p>
+        </p:txBody>
+      </p:sp>
+      <p:sp>
+        <p:nvSpPr>
+          <p:cNvPr id="6" name="" hidden="0"/>
+          <p:cNvSpPr/>
+          <p:nvPr isPhoto="0" userDrawn="0"/>
+        </p:nvSpPr>
+        <p:spPr bwMode="auto">
+          <a:xfrm flipH="0" flipV="0">
+            <a:off x="1735179" y="3932788"/>
+            <a:ext cx="2491907" cy="812745"/>
+          </a:xfrm>
+          <a:prstGeom prst="flowChartAlternateProcess">
+            <a:avLst/>
+          </a:prstGeom>
+          <a:ln w="38099" cap="flat" cmpd="sng" algn="ctr">
+            <a:solidFill>
+              <a:schemeClr val="bg1"/>
+            </a:solidFill>
+            <a:prstDash val="solid"/>
+            <a:miter/>
+          </a:ln>
+        </p:spPr>
+        <p:style>
+          <a:lnRef idx="2">
+            <a:schemeClr val="accent1">
+              <a:shade val="50000"/>
+            </a:schemeClr>
+          </a:lnRef>
+          <a:fillRef idx="1">
+            <a:schemeClr val="accent1"/>
+          </a:fillRef>
+          <a:effectRef idx="0">
+            <a:schemeClr val="accent1"/>
+          </a:effectRef>
+          <a:fontRef idx="minor">
+            <a:schemeClr val="lt1"/>
+          </a:fontRef>
+        </p:style>
+        <p:txBody>
+          <a:bodyPr vertOverflow="overflow" horzOverflow="clip" vert="horz" wrap="square" lIns="91440" tIns="45720" rIns="91440" bIns="45720" numCol="1" spcCol="0" rtlCol="0" fromWordArt="0" anchor="ctr" anchorCtr="0" forceAA="0" upright="0" compatLnSpc="0"/>
+          <a:p>
+            <a:pPr algn="ctr">
+              <a:defRPr/>
+            </a:pPr>
+            <a:r>
+              <a:rPr sz="2400">
+                <a:latin typeface="Poppins"/>
+                <a:ea typeface="Poppins"/>
+                <a:cs typeface="Poppins"/>
+              </a:rPr>
+              <a:t>training with X_test</a:t>
+            </a:r>
+            <a:endParaRPr sz="2400">
+              <a:latin typeface="Poppins"/>
+              <a:ea typeface="Poppins"/>
+              <a:cs typeface="Poppins"/>
+            </a:endParaRPr>
+          </a:p>
+        </p:txBody>
+      </p:sp>
+      <p:cxnSp>
+        <p:nvCxnSpPr>
+          <p:cNvPr id="7" name="" hidden="0"/>
+          <p:cNvCxnSpPr>
+            <a:cxnSpLocks/>
+            <a:stCxn id="5" idx="2"/>
+            <a:endCxn id="6" idx="0"/>
+          </p:cNvCxnSpPr>
+          <p:nvPr isPhoto="0" userDrawn="0"/>
+        </p:nvCxnSpPr>
+        <p:spPr bwMode="auto">
+          <a:xfrm rot="5399978" flipH="0" flipV="0">
+            <a:off x="2504362" y="3456018"/>
+            <a:ext cx="953541" cy="0"/>
+          </a:xfrm>
+          <a:prstGeom prst="line">
+            <a:avLst/>
+          </a:prstGeom>
+          <a:ln w="38099" cap="flat" cmpd="sng" algn="ctr">
+            <a:solidFill>
+              <a:schemeClr val="bg1"/>
+            </a:solidFill>
+            <a:prstDash val="solid"/>
+            <a:miter/>
+            <a:tailEnd type="arrow" len="med"/>
+          </a:ln>
+        </p:spPr>
+        <p:style>
+          <a:lnRef idx="1">
+            <a:schemeClr val="accent1">
+              <a:shade val="50000"/>
+            </a:schemeClr>
+          </a:lnRef>
+          <a:fillRef idx="0">
+            <a:schemeClr val="accent1"/>
+          </a:fillRef>
+          <a:effectRef idx="0">
+            <a:schemeClr val="accent1"/>
+          </a:effectRef>
+          <a:fontRef idx="minor">
+            <a:schemeClr val="tx1"/>
+          </a:fontRef>
+        </p:style>
+      </p:cxnSp>
+      <p:sp>
+        <p:nvSpPr>
+          <p:cNvPr id="8" name="" hidden="0"/>
+          <p:cNvSpPr/>
+          <p:nvPr isPhoto="0" userDrawn="0"/>
+        </p:nvSpPr>
+        <p:spPr bwMode="auto">
+          <a:xfrm flipH="0" flipV="0">
+            <a:off x="7288033" y="1461116"/>
+            <a:ext cx="3393858" cy="1072718"/>
+          </a:xfrm>
+          <a:prstGeom prst="rect">
+            <a:avLst/>
+          </a:prstGeom>
+        </p:spPr>
+        <p:style>
+          <a:lnRef idx="2">
+            <a:schemeClr val="accent1">
+              <a:shade val="50000"/>
+            </a:schemeClr>
+          </a:lnRef>
+          <a:fillRef idx="1">
+            <a:schemeClr val="accent1"/>
+          </a:fillRef>
+          <a:effectRef idx="0">
+            <a:schemeClr val="accent1"/>
+          </a:effectRef>
+          <a:fontRef idx="minor">
+            <a:schemeClr val="lt1"/>
+          </a:fontRef>
+        </p:style>
+        <p:txBody>
+          <a:bodyPr vertOverflow="overflow" horzOverflow="clip" vert="horz" wrap="square" lIns="91440" tIns="45720" rIns="91440" bIns="45720" numCol="1" spcCol="0" rtlCol="0" fromWordArt="0" anchor="ctr" anchorCtr="0" forceAA="0" upright="0" compatLnSpc="0"/>
+          <a:p>
+            <a:pPr algn="ctr">
+              <a:defRPr/>
+            </a:pPr>
+            <a:r>
+              <a:rPr sz="2400">
+                <a:latin typeface="Poppins"/>
+                <a:ea typeface="Poppins"/>
+                <a:cs typeface="Poppins"/>
+              </a:rPr>
+              <a:t>scaling for X</a:t>
+            </a:r>
+            <a:endParaRPr sz="2400">
+              <a:latin typeface="Poppins"/>
+              <a:ea typeface="Poppins"/>
+              <a:cs typeface="Poppins"/>
+            </a:endParaRPr>
+          </a:p>
+          <a:p>
+            <a:pPr algn="ctr">
+              <a:defRPr/>
+            </a:pPr>
+            <a:r>
+              <a:rPr sz="2400">
+                <a:latin typeface="Poppins"/>
+                <a:ea typeface="Poppins"/>
+                <a:cs typeface="Poppins"/>
+              </a:rPr>
+              <a:t>(once)</a:t>
+            </a:r>
+            <a:endParaRPr sz="2400">
+              <a:latin typeface="Poppins"/>
+              <a:ea typeface="Poppins"/>
+              <a:cs typeface="Poppins"/>
+            </a:endParaRPr>
+          </a:p>
+        </p:txBody>
+      </p:sp>
+      <p:grpSp>
+        <p:nvGrpSpPr>
+          <p:cNvPr id="9" name="" hidden="0"/>
+          <p:cNvGrpSpPr/>
+          <p:nvPr isPhoto="0" userDrawn="0"/>
+        </p:nvGrpSpPr>
+        <p:grpSpPr bwMode="auto">
+          <a:xfrm rot="0" flipH="0" flipV="0">
+            <a:off x="5489380" y="1470363"/>
+            <a:ext cx="980242" cy="1553591"/>
+            <a:chOff x="0" y="0"/>
+            <a:chExt cx="980242" cy="1553591"/>
+          </a:xfrm>
+        </p:grpSpPr>
+        <p:sp>
+          <p:nvSpPr>
+            <p:cNvPr id="10" name="" hidden="0"/>
+            <p:cNvSpPr/>
+            <p:nvPr isPhoto="0" userDrawn="0"/>
+          </p:nvSpPr>
+          <p:spPr bwMode="auto">
+            <a:xfrm flipH="0" flipV="0">
+              <a:off x="0" y="0"/>
+              <a:ext cx="980242" cy="1553591"/>
+            </a:xfrm>
+            <a:prstGeom prst="rect">
+              <a:avLst/>
+            </a:prstGeom>
+            <a:noFill/>
+            <a:ln w="19049" cap="flat" cmpd="sng" algn="ctr">
+              <a:solidFill>
+                <a:schemeClr val="accent4"/>
+              </a:solidFill>
+              <a:prstDash val="solid"/>
+              <a:miter/>
+            </a:ln>
+          </p:spPr>
+          <p:style>
+            <a:lnRef idx="2">
+              <a:schemeClr val="accent1">
+                <a:shade val="50000"/>
+              </a:schemeClr>
+            </a:lnRef>
+            <a:fillRef idx="1">
+              <a:schemeClr val="accent1"/>
+            </a:fillRef>
+            <a:effectRef idx="0">
+              <a:schemeClr val="accent1"/>
+            </a:effectRef>
+            <a:fontRef idx="minor">
+              <a:schemeClr val="lt1"/>
+            </a:fontRef>
+          </p:style>
+        </p:sp>
+        <p:sp>
+          <p:nvSpPr>
+            <p:cNvPr id="11" name="" hidden="0"/>
+            <p:cNvSpPr/>
+            <p:nvPr isPhoto="0" userDrawn="0"/>
+          </p:nvSpPr>
+          <p:spPr bwMode="auto">
+            <a:xfrm flipH="0" flipV="0">
+              <a:off x="0" y="573349"/>
+              <a:ext cx="980242" cy="980242"/>
+            </a:xfrm>
+            <a:prstGeom prst="rect">
+              <a:avLst/>
+            </a:prstGeom>
+            <a:solidFill>
+              <a:schemeClr val="accent4"/>
+            </a:solidFill>
+            <a:ln w="12700" cap="flat" cmpd="sng" algn="ctr">
+              <a:solidFill>
+                <a:schemeClr val="accent4"/>
+              </a:solidFill>
+              <a:prstDash val="solid"/>
+              <a:miter/>
+            </a:ln>
+          </p:spPr>
+          <p:style>
+            <a:lnRef idx="2">
+              <a:schemeClr val="accent1">
+                <a:shade val="50000"/>
+              </a:schemeClr>
+            </a:lnRef>
+            <a:fillRef idx="1">
+              <a:schemeClr val="accent1"/>
+            </a:fillRef>
+            <a:effectRef idx="0">
+              <a:schemeClr val="accent1"/>
+            </a:effectRef>
+            <a:fontRef idx="minor">
+              <a:schemeClr val="lt1"/>
+            </a:fontRef>
+          </p:style>
+          <p:txBody>
+            <a:bodyPr vertOverflow="overflow" horzOverflow="clip" vert="horz" wrap="square" lIns="91440" tIns="45720" rIns="91440" bIns="45720" numCol="1" spcCol="0" rtlCol="0" fromWordArt="0" anchor="ctr" anchorCtr="0" forceAA="0" upright="0" compatLnSpc="0"/>
+            <a:p>
+              <a:pPr algn="ctr">
+                <a:defRPr/>
+              </a:pPr>
+              <a:r>
+                <a:rPr sz="2200">
+                  <a:solidFill>
+                    <a:schemeClr val="tx1">
+                      <a:lumMod val="85000"/>
+                      <a:lumOff val="15000"/>
+                    </a:schemeClr>
+                  </a:solidFill>
+                  <a:latin typeface="Poppins"/>
+                  <a:ea typeface="Poppins"/>
+                  <a:cs typeface="Poppins"/>
+                </a:rPr>
+                <a:t>fold 1</a:t>
+              </a:r>
+              <a:endParaRPr sz="2200">
+                <a:solidFill>
+                  <a:schemeClr val="tx1">
+                    <a:lumMod val="85000"/>
+                    <a:lumOff val="15000"/>
+                  </a:schemeClr>
+                </a:solidFill>
+                <a:latin typeface="Poppins"/>
+                <a:ea typeface="Poppins"/>
+                <a:cs typeface="Poppins"/>
+              </a:endParaRPr>
+            </a:p>
+          </p:txBody>
+        </p:sp>
+      </p:grpSp>
+      <p:sp>
+        <p:nvSpPr>
+          <p:cNvPr id="12" name="" hidden="0"/>
+          <p:cNvSpPr/>
+          <p:nvPr isPhoto="0" userDrawn="0"/>
+        </p:nvSpPr>
+        <p:spPr bwMode="auto">
+          <a:xfrm flipH="0" flipV="0">
+            <a:off x="7334271" y="3736019"/>
+            <a:ext cx="3301383" cy="1775533"/>
+          </a:xfrm>
+          <a:prstGeom prst="rect">
+            <a:avLst/>
+          </a:prstGeom>
+        </p:spPr>
+        <p:style>
+          <a:lnRef idx="2">
+            <a:schemeClr val="accent1">
+              <a:shade val="50000"/>
+            </a:schemeClr>
+          </a:lnRef>
+          <a:fillRef idx="1">
+            <a:schemeClr val="accent1"/>
+          </a:fillRef>
+          <a:effectRef idx="0">
+            <a:schemeClr val="accent1"/>
+          </a:effectRef>
+          <a:fontRef idx="minor">
+            <a:schemeClr val="lt1"/>
+          </a:fontRef>
+        </p:style>
+        <p:txBody>
+          <a:bodyPr vertOverflow="overflow" horzOverflow="clip" vert="horz" wrap="square" lIns="91440" tIns="45720" rIns="91440" bIns="45720" numCol="1" spcCol="0" rtlCol="0" fromWordArt="0" anchor="ctr" anchorCtr="0" forceAA="0" upright="0" compatLnSpc="0"/>
+          <a:p>
+            <a:pPr algn="ctr">
+              <a:defRPr/>
+            </a:pPr>
+            <a:r>
+              <a:rPr lang="en-US" sz="2400" b="0" i="0" u="none" strike="noStrike" cap="none" spc="0">
+                <a:solidFill>
+                  <a:schemeClr val="lt1"/>
+                </a:solidFill>
+                <a:latin typeface="Poppins"/>
+                <a:ea typeface="Poppins"/>
+                <a:cs typeface="Poppins"/>
+              </a:rPr>
+              <a:t>training with different X</a:t>
+            </a:r>
+            <a:endParaRPr lang="en-US" sz="2400" b="0" i="0" u="none" strike="noStrike" cap="none" spc="0">
+              <a:solidFill>
+                <a:schemeClr val="lt1"/>
+              </a:solidFill>
+              <a:latin typeface="Poppins"/>
+              <a:ea typeface="Poppins"/>
+              <a:cs typeface="Poppins"/>
+            </a:endParaRPr>
+          </a:p>
+          <a:p>
+            <a:pPr algn="ctr">
+              <a:defRPr/>
+            </a:pPr>
+            <a:r>
+              <a:rPr lang="en-US" sz="2400" b="0" i="0" u="none" strike="noStrike" cap="none" spc="0">
+                <a:solidFill>
+                  <a:schemeClr val="lt1"/>
+                </a:solidFill>
+                <a:latin typeface="Poppins"/>
+                <a:ea typeface="Poppins"/>
+                <a:cs typeface="Poppins"/>
+              </a:rPr>
+              <a:t>(different folds)</a:t>
+            </a:r>
+            <a:endParaRPr sz="2400" b="0" i="0" u="none" strike="noStrike" cap="none" spc="0">
+              <a:solidFill>
+                <a:schemeClr val="lt1"/>
+              </a:solidFill>
+              <a:latin typeface="Poppins"/>
+              <a:ea typeface="Poppins"/>
+              <a:cs typeface="Poppins"/>
+            </a:endParaRPr>
+          </a:p>
+        </p:txBody>
+      </p:sp>
+      <p:sp>
+        <p:nvSpPr>
+          <p:cNvPr id="13" name="" hidden="0"/>
+          <p:cNvSpPr/>
+          <p:nvPr isPhoto="0" userDrawn="0"/>
+        </p:nvSpPr>
+        <p:spPr bwMode="auto">
+          <a:xfrm flipH="0" flipV="0">
+            <a:off x="4980764" y="517863"/>
+            <a:ext cx="2062207" cy="780555"/>
+          </a:xfrm>
+          <a:prstGeom prst="rect">
+            <a:avLst/>
+          </a:prstGeom>
+          <a:noFill/>
+        </p:spPr>
+        <p:txBody>
+          <a:bodyPr vertOverflow="overflow" horzOverflow="clip" vert="horz" wrap="square" lIns="91440" tIns="45720" rIns="91440" bIns="45720" numCol="1" spcCol="0" rtlCol="0" fromWordArt="0" anchor="ctr" anchorCtr="0" forceAA="0" upright="0" compatLnSpc="0">
+            <a:noAutofit/>
+          </a:bodyPr>
+          <a:p>
+            <a:pPr algn="ctr">
+              <a:defRPr/>
+            </a:pPr>
+            <a:r>
+              <a:rPr sz="2400">
+                <a:solidFill>
+                  <a:schemeClr val="bg1">
+                    <a:lumMod val="75000"/>
+                  </a:schemeClr>
+                </a:solidFill>
+                <a:latin typeface="Poppins"/>
+                <a:ea typeface="Poppins"/>
+                <a:cs typeface="Poppins"/>
+              </a:rPr>
+              <a:t>cross validation</a:t>
+            </a:r>
+            <a:endParaRPr sz="2400">
+              <a:solidFill>
+                <a:schemeClr val="bg1">
+                  <a:lumMod val="75000"/>
+                </a:schemeClr>
+              </a:solidFill>
+              <a:latin typeface="Poppins"/>
+              <a:ea typeface="Poppins"/>
+              <a:cs typeface="Poppins"/>
+            </a:endParaRPr>
+          </a:p>
+        </p:txBody>
+      </p:sp>
+      <p:cxnSp>
+        <p:nvCxnSpPr>
+          <p:cNvPr id="14" name="" hidden="0"/>
+          <p:cNvCxnSpPr>
+            <a:cxnSpLocks/>
+            <a:stCxn id="8" idx="2"/>
+            <a:endCxn id="12" idx="0"/>
+          </p:cNvCxnSpPr>
+          <p:nvPr isPhoto="0" userDrawn="0"/>
+        </p:nvCxnSpPr>
+        <p:spPr bwMode="auto">
+          <a:xfrm rot="5399978" flipH="0" flipV="0">
+            <a:off x="8383871" y="3134927"/>
+            <a:ext cx="1202184" cy="0"/>
+          </a:xfrm>
+          <a:prstGeom prst="line">
+            <a:avLst/>
+          </a:prstGeom>
+          <a:ln w="38099" cap="flat" cmpd="sng" algn="ctr">
+            <a:solidFill>
+              <a:schemeClr val="bg1"/>
+            </a:solidFill>
+            <a:prstDash val="solid"/>
+            <a:miter/>
+            <a:headEnd type="arrow" len="med"/>
+            <a:tailEnd type="arrow" len="med"/>
+          </a:ln>
+        </p:spPr>
+        <p:style>
+          <a:lnRef idx="1">
+            <a:schemeClr val="accent1">
+              <a:shade val="50000"/>
+            </a:schemeClr>
+          </a:lnRef>
+          <a:fillRef idx="0">
+            <a:schemeClr val="accent1"/>
+          </a:fillRef>
+          <a:effectRef idx="0">
+            <a:schemeClr val="accent1"/>
+          </a:effectRef>
+          <a:fontRef idx="minor">
+            <a:schemeClr val="tx1"/>
+          </a:fontRef>
+        </p:style>
+      </p:cxnSp>
+      <p:sp>
+        <p:nvSpPr>
+          <p:cNvPr id="15" name="" hidden="0"/>
+          <p:cNvSpPr/>
+          <p:nvPr isPhoto="0" userDrawn="0"/>
+        </p:nvSpPr>
+        <p:spPr bwMode="auto">
+          <a:xfrm flipH="0" flipV="0">
+            <a:off x="8984963" y="2903907"/>
+            <a:ext cx="1539720" cy="552109"/>
+          </a:xfrm>
+          <a:prstGeom prst="rect">
+            <a:avLst/>
+          </a:prstGeom>
+          <a:noFill/>
+        </p:spPr>
+        <p:txBody>
+          <a:bodyPr vertOverflow="overflow" horzOverflow="clip" vert="horz" wrap="square" lIns="91440" tIns="45720" rIns="91440" bIns="45720" numCol="1" spcCol="0" rtlCol="0" fromWordArt="0" anchor="ctr" anchorCtr="0" forceAA="0" upright="0" compatLnSpc="0">
+            <a:noAutofit/>
+          </a:bodyPr>
+          <a:p>
+            <a:pPr algn="ctr">
+              <a:defRPr/>
+            </a:pPr>
+            <a:r>
+              <a:rPr sz="2000">
+                <a:solidFill>
+                  <a:schemeClr val="bg1">
+                    <a:lumMod val="75000"/>
+                  </a:schemeClr>
+                </a:solidFill>
+                <a:latin typeface="Poppins"/>
+                <a:ea typeface="Poppins"/>
+                <a:cs typeface="Poppins"/>
+              </a:rPr>
+              <a:t>separately</a:t>
+            </a:r>
+            <a:endParaRPr sz="2000">
+              <a:solidFill>
+                <a:schemeClr val="bg1">
+                  <a:lumMod val="75000"/>
+                </a:schemeClr>
+              </a:solidFill>
+              <a:latin typeface="Poppins"/>
+              <a:ea typeface="Poppins"/>
+              <a:cs typeface="Poppins"/>
+            </a:endParaRPr>
+          </a:p>
+        </p:txBody>
+      </p:sp>
+      <p:sp>
+        <p:nvSpPr>
+          <p:cNvPr id="16" name="" hidden="0"/>
+          <p:cNvSpPr/>
+          <p:nvPr isPhoto="0" userDrawn="0"/>
+        </p:nvSpPr>
+        <p:spPr bwMode="auto">
+          <a:xfrm flipH="0" flipV="0">
+            <a:off x="7093834" y="2903907"/>
+            <a:ext cx="1155947" cy="552109"/>
+          </a:xfrm>
+          <a:prstGeom prst="rect">
+            <a:avLst/>
+          </a:prstGeom>
+          <a:noFill/>
+        </p:spPr>
+        <p:txBody>
+          <a:bodyPr vertOverflow="overflow" horzOverflow="clip" vert="horz" wrap="square" lIns="91440" tIns="45720" rIns="91440" bIns="45720" numCol="1" spcCol="0" rtlCol="0" fromWordArt="0" anchor="ctr" anchorCtr="0" forceAA="0" upright="0" compatLnSpc="0">
+            <a:noAutofit/>
+          </a:bodyPr>
+          <a:p>
+            <a:pPr algn="ctr">
+              <a:defRPr/>
+            </a:pPr>
+            <a:r>
+              <a:rPr sz="2000">
+                <a:solidFill>
+                  <a:schemeClr val="accent4"/>
+                </a:solidFill>
+                <a:latin typeface="Poppins"/>
+                <a:ea typeface="Poppins"/>
+                <a:cs typeface="Poppins"/>
+              </a:rPr>
+              <a:t>wrong scaling</a:t>
+            </a:r>
+            <a:endParaRPr sz="2000">
+              <a:solidFill>
+                <a:schemeClr val="accent4"/>
+              </a:solidFill>
+              <a:latin typeface="Poppins"/>
+              <a:ea typeface="Poppins"/>
+              <a:cs typeface="Poppins"/>
+            </a:endParaRPr>
+          </a:p>
+        </p:txBody>
+      </p:sp>
+      <p:cxnSp>
+        <p:nvCxnSpPr>
+          <p:cNvPr id="17" name="" hidden="0"/>
+          <p:cNvCxnSpPr>
+            <a:cxnSpLocks/>
+            <a:stCxn id="8" idx="1"/>
+            <a:endCxn id="12" idx="1"/>
+          </p:cNvCxnSpPr>
+          <p:nvPr isPhoto="0" userDrawn="0"/>
+        </p:nvCxnSpPr>
+        <p:spPr bwMode="auto">
+          <a:xfrm rot="10799990" flipH="1" flipV="1">
+            <a:off x="7288033" y="1997475"/>
+            <a:ext cx="46237" cy="2626310"/>
+          </a:xfrm>
+          <a:prstGeom prst="bentConnector3">
+            <a:avLst>
+              <a:gd name="adj1" fmla="val -300000"/>
+            </a:avLst>
+          </a:prstGeom>
+          <a:ln w="38099" cap="flat" cmpd="sng" algn="ctr">
+            <a:solidFill>
+              <a:schemeClr val="accent4"/>
+            </a:solidFill>
+            <a:prstDash val="solid"/>
+            <a:miter/>
+            <a:tailEnd type="arrow" len="med"/>
+          </a:ln>
+        </p:spPr>
+        <p:style>
+          <a:lnRef idx="1">
+            <a:schemeClr val="accent1">
+              <a:shade val="50000"/>
+            </a:schemeClr>
+          </a:lnRef>
+          <a:fillRef idx="0">
+            <a:schemeClr val="accent1"/>
+          </a:fillRef>
+          <a:effectRef idx="0">
+            <a:schemeClr val="accent1"/>
+          </a:effectRef>
+          <a:fontRef idx="minor">
+            <a:schemeClr val="tx1"/>
+          </a:fontRef>
+        </p:style>
+      </p:cxnSp>
+      <p:grpSp>
+        <p:nvGrpSpPr>
+          <p:cNvPr id="18" name="" hidden="0"/>
+          <p:cNvGrpSpPr/>
+          <p:nvPr isPhoto="0" userDrawn="0"/>
+        </p:nvGrpSpPr>
+        <p:grpSpPr bwMode="auto">
+          <a:xfrm rot="0" flipH="0" flipV="0">
+            <a:off x="5521747" y="3957960"/>
+            <a:ext cx="980242" cy="1553591"/>
+            <a:chOff x="0" y="0"/>
+            <a:chExt cx="980242" cy="1553591"/>
+          </a:xfrm>
+        </p:grpSpPr>
+        <p:sp>
+          <p:nvSpPr>
+            <p:cNvPr id="19" name="" hidden="0"/>
+            <p:cNvSpPr/>
+            <p:nvPr isPhoto="0" userDrawn="0"/>
+          </p:nvSpPr>
+          <p:spPr bwMode="auto">
+            <a:xfrm flipH="0" flipV="0">
+              <a:off x="0" y="0"/>
+              <a:ext cx="980242" cy="1553591"/>
+            </a:xfrm>
+            <a:prstGeom prst="rect">
+              <a:avLst/>
+            </a:prstGeom>
+            <a:noFill/>
+            <a:ln w="19049" cap="flat" cmpd="sng" algn="ctr">
+              <a:solidFill>
+                <a:schemeClr val="accent4"/>
+              </a:solidFill>
+              <a:prstDash val="solid"/>
+              <a:miter/>
+            </a:ln>
+          </p:spPr>
+          <p:style>
+            <a:lnRef idx="2">
+              <a:schemeClr val="accent1">
+                <a:shade val="50000"/>
+              </a:schemeClr>
+            </a:lnRef>
+            <a:fillRef idx="1">
+              <a:schemeClr val="accent1"/>
+            </a:fillRef>
+            <a:effectRef idx="0">
+              <a:schemeClr val="accent1"/>
+            </a:effectRef>
+            <a:fontRef idx="minor">
+              <a:schemeClr val="lt1"/>
+            </a:fontRef>
+          </p:style>
+        </p:sp>
+        <p:sp>
+          <p:nvSpPr>
+            <p:cNvPr id="20" name="" hidden="0"/>
+            <p:cNvSpPr/>
+            <p:nvPr isPhoto="0" userDrawn="0"/>
+          </p:nvSpPr>
+          <p:spPr bwMode="auto">
+            <a:xfrm flipH="0" flipV="0">
+              <a:off x="0" y="0"/>
+              <a:ext cx="980242" cy="980242"/>
+            </a:xfrm>
+            <a:prstGeom prst="rect">
+              <a:avLst/>
+            </a:prstGeom>
+            <a:solidFill>
+              <a:schemeClr val="accent4"/>
+            </a:solidFill>
+            <a:ln w="12700" cap="flat" cmpd="sng" algn="ctr">
+              <a:solidFill>
+                <a:schemeClr val="accent4"/>
+              </a:solidFill>
+              <a:prstDash val="solid"/>
+              <a:miter/>
+            </a:ln>
+          </p:spPr>
+          <p:style>
+            <a:lnRef idx="2">
+              <a:schemeClr val="accent1">
+                <a:shade val="50000"/>
+              </a:schemeClr>
+            </a:lnRef>
+            <a:fillRef idx="1">
+              <a:schemeClr val="accent1"/>
+            </a:fillRef>
+            <a:effectRef idx="0">
+              <a:schemeClr val="accent1"/>
+            </a:effectRef>
+            <a:fontRef idx="minor">
+              <a:schemeClr val="lt1"/>
+            </a:fontRef>
+          </p:style>
+          <p:txBody>
+            <a:bodyPr vertOverflow="overflow" horzOverflow="clip" vert="horz" wrap="square" lIns="91440" tIns="45720" rIns="91440" bIns="45720" numCol="1" spcCol="0" rtlCol="0" fromWordArt="0" anchor="ctr" anchorCtr="0" forceAA="0" upright="0" compatLnSpc="0"/>
+            <a:p>
+              <a:pPr algn="ctr">
+                <a:defRPr/>
+              </a:pPr>
+              <a:r>
+                <a:rPr sz="2200">
+                  <a:solidFill>
+                    <a:schemeClr val="tx1">
+                      <a:lumMod val="85000"/>
+                      <a:lumOff val="15000"/>
+                    </a:schemeClr>
+                  </a:solidFill>
+                  <a:latin typeface="Poppins"/>
+                  <a:ea typeface="Poppins"/>
+                  <a:cs typeface="Poppins"/>
+                </a:rPr>
+                <a:t>fold 2</a:t>
+              </a:r>
+              <a:endParaRPr sz="2200">
+                <a:solidFill>
+                  <a:schemeClr val="tx1">
+                    <a:lumMod val="85000"/>
+                    <a:lumOff val="15000"/>
+                  </a:schemeClr>
+                </a:solidFill>
+                <a:latin typeface="Poppins"/>
+                <a:ea typeface="Poppins"/>
+                <a:cs typeface="Poppins"/>
+              </a:endParaRPr>
+            </a:p>
+          </p:txBody>
+        </p:sp>
+      </p:grpSp>
+      <p:sp>
+        <p:nvSpPr>
+          <p:cNvPr id="21" name="" hidden="0"/>
+          <p:cNvSpPr/>
+          <p:nvPr isPhoto="0" userDrawn="0"/>
+        </p:nvSpPr>
+        <p:spPr bwMode="auto">
+          <a:xfrm rot="16199969" flipH="0" flipV="0">
+            <a:off x="5748660" y="3281686"/>
+            <a:ext cx="2341684" cy="348663"/>
+          </a:xfrm>
+          <a:prstGeom prst="rect">
+            <a:avLst/>
+          </a:prstGeom>
+          <a:noFill/>
+        </p:spPr>
+        <p:txBody>
+          <a:bodyPr vertOverflow="overflow" horzOverflow="clip" vert="horz" wrap="square" lIns="91440" tIns="45720" rIns="91440" bIns="45720" numCol="1" spcCol="0" rtlCol="0" fromWordArt="0" anchor="ctr" anchorCtr="0" forceAA="0" upright="0" compatLnSpc="0">
+            <a:noAutofit/>
+          </a:bodyPr>
+          <a:p>
+            <a:pPr algn="ctr">
+              <a:defRPr/>
+            </a:pPr>
+            <a:r>
+              <a:rPr sz="1500">
+                <a:solidFill>
+                  <a:schemeClr val="bg1">
+                    <a:lumMod val="75000"/>
+                  </a:schemeClr>
+                </a:solidFill>
+                <a:latin typeface="Poppins"/>
+                <a:ea typeface="Poppins"/>
+                <a:cs typeface="Poppins"/>
+              </a:rPr>
+              <a:t>scaling not for this set</a:t>
+            </a:r>
+            <a:endParaRPr sz="1500">
+              <a:solidFill>
+                <a:schemeClr val="bg1">
+                  <a:lumMod val="75000"/>
+                </a:schemeClr>
+              </a:solidFill>
+              <a:latin typeface="Poppins"/>
+              <a:ea typeface="Poppins"/>
+              <a:cs typeface="Poppins"/>
+            </a:endParaRPr>
+          </a:p>
+        </p:txBody>
+      </p:sp>
+      <p:cxnSp>
+        <p:nvCxnSpPr>
+          <p:cNvPr id="22" name="" hidden="0"/>
+          <p:cNvCxnSpPr>
+            <a:cxnSpLocks/>
+            <a:stCxn id="21" idx="3"/>
+            <a:endCxn id="11" idx="3"/>
+          </p:cNvCxnSpPr>
+          <p:nvPr isPhoto="0" userDrawn="0"/>
+        </p:nvCxnSpPr>
+        <p:spPr bwMode="auto">
+          <a:xfrm rot="16199969" flipH="1" flipV="1">
+            <a:off x="6570233" y="2184565"/>
+            <a:ext cx="248659" cy="449879"/>
+          </a:xfrm>
+          <a:prstGeom prst="bentConnector4">
+            <a:avLst>
+              <a:gd name="adj1" fmla="val -91933"/>
+              <a:gd name="adj2" fmla="val 69375"/>
+            </a:avLst>
+          </a:prstGeom>
+          <a:ln w="19049" cap="flat" cmpd="sng" algn="ctr">
+            <a:solidFill>
+              <a:schemeClr val="bg1">
+                <a:lumMod val="74901"/>
+              </a:schemeClr>
+            </a:solidFill>
+            <a:prstDash val="solid"/>
+            <a:miter/>
+            <a:tailEnd type="arrow" len="med"/>
+          </a:ln>
+        </p:spPr>
+        <p:style>
+          <a:lnRef idx="1">
+            <a:schemeClr val="accent1">
+              <a:shade val="50000"/>
+            </a:schemeClr>
+          </a:lnRef>
+          <a:fillRef idx="0">
+            <a:schemeClr val="accent1"/>
+          </a:fillRef>
+          <a:effectRef idx="0">
+            <a:schemeClr val="accent1"/>
+          </a:effectRef>
+          <a:fontRef idx="minor">
+            <a:schemeClr val="tx1"/>
+          </a:fontRef>
+        </p:style>
+      </p:cxnSp>
+      <p:cxnSp>
+        <p:nvCxnSpPr>
+          <p:cNvPr id="23" name="" hidden="0"/>
+          <p:cNvCxnSpPr>
+            <a:cxnSpLocks/>
+            <a:stCxn id="21" idx="1"/>
+          </p:cNvCxnSpPr>
+          <p:nvPr isPhoto="0" userDrawn="0"/>
+        </p:nvCxnSpPr>
+        <p:spPr bwMode="auto">
+          <a:xfrm rot="5399978" flipH="1" flipV="0">
+            <a:off x="6667595" y="4374952"/>
+            <a:ext cx="123292" cy="380522"/>
+          </a:xfrm>
+          <a:prstGeom prst="bentConnector4">
+            <a:avLst>
+              <a:gd name="adj1" fmla="val -185412"/>
+              <a:gd name="adj2" fmla="val 72906"/>
+            </a:avLst>
+          </a:prstGeom>
+          <a:ln w="19049" cap="flat" cmpd="sng" algn="ctr">
+            <a:solidFill>
+              <a:schemeClr val="bg1">
+                <a:lumMod val="74901"/>
+              </a:schemeClr>
+            </a:solidFill>
+            <a:prstDash val="solid"/>
+            <a:miter/>
+            <a:tailEnd type="arrow" len="med"/>
+          </a:ln>
+        </p:spPr>
+        <p:style>
+          <a:lnRef idx="1">
+            <a:schemeClr val="accent1">
+              <a:shade val="50000"/>
+            </a:schemeClr>
+          </a:lnRef>
+          <a:fillRef idx="0">
+            <a:schemeClr val="accent1"/>
+          </a:fillRef>
+          <a:effectRef idx="0">
+            <a:schemeClr val="accent1"/>
+          </a:effectRef>
+          <a:fontRef idx="minor">
+            <a:schemeClr val="tx1"/>
+          </a:fontRef>
+        </p:style>
+      </p:cxnSp>
+      <p:cxnSp>
+        <p:nvCxnSpPr>
+          <p:cNvPr id="24" name="" hidden="0"/>
+          <p:cNvCxnSpPr>
+            <a:cxnSpLocks/>
+            <a:stCxn id="5" idx="3"/>
+            <a:endCxn id="6" idx="3"/>
+          </p:cNvCxnSpPr>
+          <p:nvPr isPhoto="0" userDrawn="0"/>
+        </p:nvCxnSpPr>
+        <p:spPr bwMode="auto">
+          <a:xfrm rot="0" flipH="0" flipV="0">
+            <a:off x="3921917" y="2572875"/>
+            <a:ext cx="305169" cy="1766286"/>
+          </a:xfrm>
+          <a:prstGeom prst="bentConnector3">
+            <a:avLst>
+              <a:gd name="adj1" fmla="val 174909"/>
+            </a:avLst>
+          </a:prstGeom>
+          <a:ln w="38099" cap="flat" cmpd="sng" algn="ctr">
+            <a:solidFill>
+              <a:schemeClr val="accent4"/>
+            </a:solidFill>
+            <a:prstDash val="solid"/>
+            <a:miter/>
+            <a:tailEnd type="arrow" len="med"/>
+          </a:ln>
+        </p:spPr>
+        <p:style>
+          <a:lnRef idx="1">
+            <a:schemeClr val="accent1">
+              <a:shade val="50000"/>
+            </a:schemeClr>
+          </a:lnRef>
+          <a:fillRef idx="0">
+            <a:schemeClr val="accent1"/>
+          </a:fillRef>
+          <a:effectRef idx="0">
+            <a:schemeClr val="accent1"/>
+          </a:effectRef>
+          <a:fontRef idx="minor">
+            <a:schemeClr val="tx1"/>
+          </a:fontRef>
+        </p:style>
+      </p:cxnSp>
+      <p:sp>
+        <p:nvSpPr>
+          <p:cNvPr id="25" name="" hidden="0"/>
+          <p:cNvSpPr/>
+          <p:nvPr isPhoto="0" userDrawn="0"/>
+        </p:nvSpPr>
+        <p:spPr bwMode="auto">
+          <a:xfrm flipH="0" flipV="0">
+            <a:off x="4587742" y="3151796"/>
+            <a:ext cx="1262293" cy="678324"/>
+          </a:xfrm>
+          <a:prstGeom prst="rect">
+            <a:avLst/>
+          </a:prstGeom>
+          <a:noFill/>
+        </p:spPr>
+        <p:txBody>
+          <a:bodyPr vertOverflow="overflow" horzOverflow="clip" vert="horz" wrap="square" lIns="91440" tIns="45720" rIns="91440" bIns="45720" numCol="1" spcCol="0" rtlCol="0" fromWordArt="0" anchor="ctr" anchorCtr="0" forceAA="0" upright="0" compatLnSpc="0">
+            <a:noAutofit/>
+          </a:bodyPr>
+          <a:p>
+            <a:pPr algn="ctr">
+              <a:defRPr/>
+            </a:pPr>
+            <a:r>
+              <a:rPr sz="1500">
+                <a:solidFill>
+                  <a:schemeClr val="bg1">
+                    <a:lumMod val="75000"/>
+                  </a:schemeClr>
+                </a:solidFill>
+                <a:latin typeface="Poppins"/>
+                <a:ea typeface="Poppins"/>
+                <a:cs typeface="Poppins"/>
+              </a:rPr>
+              <a:t>each fold has a right scaling</a:t>
+            </a:r>
+            <a:endParaRPr sz="1500">
+              <a:solidFill>
+                <a:schemeClr val="bg1">
+                  <a:lumMod val="75000"/>
+                </a:schemeClr>
+              </a:solidFill>
+              <a:latin typeface="Poppins"/>
+              <a:ea typeface="Poppins"/>
+              <a:cs typeface="Poppins"/>
+            </a:endParaRPr>
+          </a:p>
+        </p:txBody>
+      </p:sp>
+      <p:cxnSp>
+        <p:nvCxnSpPr>
+          <p:cNvPr id="26" name="" hidden="0"/>
+          <p:cNvCxnSpPr>
+            <a:cxnSpLocks/>
+            <a:stCxn id="11" idx="1"/>
+          </p:cNvCxnSpPr>
+          <p:nvPr isPhoto="0" userDrawn="0"/>
+        </p:nvCxnSpPr>
+        <p:spPr bwMode="auto">
+          <a:xfrm rot="10799990" flipH="0" flipV="1">
+            <a:off x="5225825" y="2533834"/>
+            <a:ext cx="263555" cy="554854"/>
+          </a:xfrm>
+          <a:prstGeom prst="bentConnector2">
+            <a:avLst/>
+          </a:prstGeom>
+          <a:ln w="19049" cap="flat" cmpd="sng" algn="ctr">
+            <a:solidFill>
+              <a:schemeClr val="bg1">
+                <a:lumMod val="74901"/>
+              </a:schemeClr>
+            </a:solidFill>
+            <a:prstDash val="solid"/>
+            <a:miter/>
+            <a:tailEnd type="arrow" len="med"/>
+          </a:ln>
+        </p:spPr>
+        <p:style>
+          <a:lnRef idx="1">
+            <a:schemeClr val="accent1">
+              <a:shade val="50000"/>
+            </a:schemeClr>
+          </a:lnRef>
+          <a:fillRef idx="0">
+            <a:schemeClr val="accent1"/>
+          </a:fillRef>
+          <a:effectRef idx="0">
+            <a:schemeClr val="accent1"/>
+          </a:effectRef>
+          <a:fontRef idx="minor">
+            <a:schemeClr val="tx1"/>
+          </a:fontRef>
+        </p:style>
+      </p:cxnSp>
+      <p:cxnSp>
+        <p:nvCxnSpPr>
+          <p:cNvPr id="27" name="" hidden="0"/>
+          <p:cNvCxnSpPr>
+            <a:cxnSpLocks/>
+            <a:stCxn id="20" idx="1"/>
+            <a:endCxn id="25" idx="2"/>
+          </p:cNvCxnSpPr>
+          <p:nvPr isPhoto="0" userDrawn="0"/>
+        </p:nvCxnSpPr>
+        <p:spPr bwMode="auto">
+          <a:xfrm rot="10799990" flipH="0" flipV="0">
+            <a:off x="5218889" y="3830120"/>
+            <a:ext cx="302857" cy="617961"/>
+          </a:xfrm>
+          <a:prstGeom prst="bentConnector2">
+            <a:avLst/>
+          </a:prstGeom>
+          <a:ln w="19049" cap="flat" cmpd="sng" algn="ctr">
+            <a:solidFill>
+              <a:schemeClr val="bg1">
+                <a:lumMod val="74901"/>
+              </a:schemeClr>
+            </a:solidFill>
+            <a:prstDash val="solid"/>
+            <a:miter/>
+            <a:tailEnd type="arrow" len="med"/>
+          </a:ln>
+        </p:spPr>
+        <p:style>
+          <a:lnRef idx="1">
+            <a:schemeClr val="accent1">
+              <a:shade val="50000"/>
+            </a:schemeClr>
+          </a:lnRef>
+          <a:fillRef idx="0">
+            <a:schemeClr val="accent1"/>
+          </a:fillRef>
+          <a:effectRef idx="0">
+            <a:schemeClr val="accent1"/>
+          </a:effectRef>
+          <a:fontRef idx="minor">
+            <a:schemeClr val="tx1"/>
+          </a:fontRef>
+        </p:style>
+      </p:cxnSp>
+      <p:sp>
+        <p:nvSpPr>
+          <p:cNvPr id="28" name="" hidden="0"/>
+          <p:cNvSpPr/>
+          <p:nvPr isPhoto="0" userDrawn="0"/>
+        </p:nvSpPr>
+        <p:spPr bwMode="auto">
+          <a:xfrm flipH="0" flipV="0">
+            <a:off x="3339319" y="3214903"/>
+            <a:ext cx="1155947" cy="552109"/>
+          </a:xfrm>
+          <a:prstGeom prst="rect">
+            <a:avLst/>
+          </a:prstGeom>
+          <a:noFill/>
+        </p:spPr>
+        <p:txBody>
+          <a:bodyPr vertOverflow="overflow" horzOverflow="clip" vert="horz" wrap="square" lIns="91440" tIns="45720" rIns="91440" bIns="45720" numCol="1" spcCol="0" rtlCol="0" fromWordArt="0" anchor="ctr" anchorCtr="0" forceAA="0" upright="0" compatLnSpc="0">
+            <a:noAutofit/>
+          </a:bodyPr>
+          <a:p>
+            <a:pPr algn="ctr">
+              <a:defRPr/>
+            </a:pPr>
+            <a:r>
+              <a:rPr sz="2000">
+                <a:solidFill>
+                  <a:schemeClr val="accent4"/>
+                </a:solidFill>
+                <a:latin typeface="Poppins"/>
+                <a:ea typeface="Poppins"/>
+                <a:cs typeface="Poppins"/>
+              </a:rPr>
+              <a:t>right</a:t>
+            </a:r>
+            <a:endParaRPr sz="2000">
+              <a:solidFill>
+                <a:schemeClr val="accent4"/>
+              </a:solidFill>
+              <a:latin typeface="Poppins"/>
+              <a:ea typeface="Poppins"/>
+              <a:cs typeface="Poppins"/>
+            </a:endParaRPr>
+          </a:p>
+          <a:p>
+            <a:pPr algn="ctr">
+              <a:defRPr/>
+            </a:pPr>
+            <a:r>
+              <a:rPr sz="2000">
+                <a:solidFill>
+                  <a:schemeClr val="accent4"/>
+                </a:solidFill>
+                <a:latin typeface="Poppins"/>
+                <a:ea typeface="Poppins"/>
+                <a:cs typeface="Poppins"/>
+              </a:rPr>
+              <a:t>scaling</a:t>
+            </a:r>
+            <a:endParaRPr sz="2000">
+              <a:solidFill>
+                <a:schemeClr val="accent4"/>
+              </a:solidFill>
+              <a:latin typeface="Poppins"/>
+              <a:ea typeface="Poppins"/>
+              <a:cs typeface="Poppins"/>
+            </a:endParaRPr>
+          </a:p>
+        </p:txBody>
+      </p:sp>
+      <p:sp>
+        <p:nvSpPr>
+          <p:cNvPr id="29" name="" hidden="0"/>
+          <p:cNvSpPr/>
+          <p:nvPr isPhoto="0" userDrawn="0"/>
+        </p:nvSpPr>
+        <p:spPr bwMode="auto">
+          <a:xfrm flipH="0" flipV="0">
+            <a:off x="1323349" y="749053"/>
+            <a:ext cx="3319878" cy="416140"/>
+          </a:xfrm>
+          <a:prstGeom prst="rect">
+            <a:avLst/>
+          </a:prstGeom>
+          <a:solidFill>
+            <a:schemeClr val="accent6"/>
+          </a:solidFill>
+          <a:ln w="12700" cap="flat" cmpd="sng" algn="ctr">
+            <a:noFill/>
+            <a:prstDash val="solid"/>
+            <a:miter/>
+          </a:ln>
+        </p:spPr>
+        <p:style>
+          <a:lnRef idx="2">
+            <a:schemeClr val="accent1">
+              <a:shade val="50000"/>
+            </a:schemeClr>
+          </a:lnRef>
+          <a:fillRef idx="1">
+            <a:schemeClr val="accent1"/>
+          </a:fillRef>
+          <a:effectRef idx="0">
+            <a:schemeClr val="accent1"/>
+          </a:effectRef>
+          <a:fontRef idx="minor">
+            <a:schemeClr val="lt1"/>
+          </a:fontRef>
+        </p:style>
+        <p:txBody>
+          <a:bodyPr vertOverflow="overflow" horzOverflow="clip" vert="horz" wrap="square" lIns="91440" tIns="45720" rIns="91440" bIns="45720" numCol="1" spcCol="0" rtlCol="0" fromWordArt="0" anchor="ctr" anchorCtr="0" forceAA="0" upright="0" compatLnSpc="0"/>
+          <a:p>
+            <a:pPr algn="ctr">
+              <a:defRPr/>
+            </a:pPr>
+            <a:r>
+              <a:rPr b="1">
+                <a:latin typeface="Poppins"/>
+                <a:ea typeface="Poppins"/>
+                <a:cs typeface="Poppins"/>
+              </a:rPr>
+              <a:t>with pipeline</a:t>
+            </a:r>
+            <a:endParaRPr b="1">
+              <a:latin typeface="Poppins"/>
+              <a:ea typeface="Poppins"/>
+              <a:cs typeface="Poppins"/>
+            </a:endParaRPr>
+          </a:p>
+        </p:txBody>
+      </p:sp>
+      <p:sp>
+        <p:nvSpPr>
+          <p:cNvPr id="30" name="" hidden="0"/>
+          <p:cNvSpPr/>
+          <p:nvPr isPhoto="0" userDrawn="0"/>
+        </p:nvSpPr>
+        <p:spPr bwMode="auto">
+          <a:xfrm flipH="0" flipV="0">
+            <a:off x="7311152" y="749053"/>
+            <a:ext cx="3319878" cy="416140"/>
+          </a:xfrm>
+          <a:prstGeom prst="rect">
+            <a:avLst/>
+          </a:prstGeom>
+          <a:solidFill>
+            <a:schemeClr val="accent6"/>
+          </a:solidFill>
+          <a:ln w="12700" cap="flat" cmpd="sng" algn="ctr">
+            <a:noFill/>
+            <a:prstDash val="solid"/>
+            <a:miter/>
+          </a:ln>
+        </p:spPr>
+        <p:style>
+          <a:lnRef idx="2">
+            <a:schemeClr val="accent1">
+              <a:shade val="50000"/>
+            </a:schemeClr>
+          </a:lnRef>
+          <a:fillRef idx="1">
+            <a:schemeClr val="accent1"/>
+          </a:fillRef>
+          <a:effectRef idx="0">
+            <a:schemeClr val="accent1"/>
+          </a:effectRef>
+          <a:fontRef idx="minor">
+            <a:schemeClr val="lt1"/>
+          </a:fontRef>
+        </p:style>
+        <p:txBody>
+          <a:bodyPr vertOverflow="overflow" horzOverflow="clip" vert="horz" wrap="square" lIns="91440" tIns="45720" rIns="91440" bIns="45720" numCol="1" spcCol="0" rtlCol="0" fromWordArt="0" anchor="ctr" anchorCtr="0" forceAA="0" upright="0" compatLnSpc="0"/>
+          <a:p>
+            <a:pPr algn="ctr">
+              <a:defRPr/>
+            </a:pPr>
+            <a:r>
+              <a:rPr b="1">
+                <a:latin typeface="Poppins"/>
+                <a:ea typeface="Poppins"/>
+                <a:cs typeface="Poppins"/>
+              </a:rPr>
+              <a:t>without pipeline</a:t>
+            </a:r>
+            <a:endParaRPr b="1">
+              <a:latin typeface="Poppins"/>
+              <a:ea typeface="Poppins"/>
+              <a:cs typeface="Poppins"/>
+            </a:endParaRPr>
+          </a:p>
+        </p:txBody>
+      </p:sp>
     </p:spTree>
   </p:cSld>
   <p:clrMapOvr>
